--- a/Semestru 3/Retele de calculatoare/lab/lab10/lab10_tema.pptx
+++ b/Semestru 3/Retele de calculatoare/lab/lab10/lab10_tema.pptx
@@ -10661,6 +10661,57 @@
           </a:p>
         </p:txBody>
       </p:sp>
+      <p:sp>
+        <p:nvSpPr>
+          <p:cNvPr id="2" name="Oval 1">
+            <a:extLst>
+              <a:ext uri="{FF2B5EF4-FFF2-40B4-BE49-F238E27FC236}">
+                <a16:creationId xmlns:a16="http://schemas.microsoft.com/office/drawing/2014/main" id="{B000960E-F5D1-77F0-F73C-A315671CE039}"/>
+              </a:ext>
+            </a:extLst>
+          </p:cNvPr>
+          <p:cNvSpPr/>
+          <p:nvPr/>
+        </p:nvSpPr>
+        <p:spPr>
+          <a:xfrm rot="4236058">
+            <a:off x="6206441" y="2765795"/>
+            <a:ext cx="2640364" cy="1314813"/>
+          </a:xfrm>
+          <a:prstGeom prst="ellipse">
+            <a:avLst/>
+          </a:prstGeom>
+          <a:solidFill>
+            <a:schemeClr val="accent1">
+              <a:alpha val="41000"/>
+            </a:schemeClr>
+          </a:solidFill>
+        </p:spPr>
+        <p:style>
+          <a:lnRef idx="2">
+            <a:schemeClr val="accent1">
+              <a:shade val="15000"/>
+            </a:schemeClr>
+          </a:lnRef>
+          <a:fillRef idx="1">
+            <a:schemeClr val="accent1"/>
+          </a:fillRef>
+          <a:effectRef idx="0">
+            <a:schemeClr val="accent1"/>
+          </a:effectRef>
+          <a:fontRef idx="minor">
+            <a:schemeClr val="lt1"/>
+          </a:fontRef>
+        </p:style>
+        <p:txBody>
+          <a:bodyPr rtlCol="0" anchor="ctr"/>
+          <a:lstStyle/>
+          <a:p>
+            <a:pPr algn="ctr"/>
+            <a:endParaRPr lang="en-GB" dirty="0"/>
+          </a:p>
+        </p:txBody>
+      </p:sp>
     </p:spTree>
   </p:cSld>
   <p:clrMapOvr>
@@ -10821,14 +10872,14 @@
             <p:ph idx="1"/>
             <p:extLst>
               <p:ext uri="{D42A27DB-BD31-4B8C-83A1-F6EECF244321}">
-                <p14:modId xmlns:p14="http://schemas.microsoft.com/office/powerpoint/2010/main" val="476947192"/>
+                <p14:modId xmlns:p14="http://schemas.microsoft.com/office/powerpoint/2010/main" val="2851002942"/>
               </p:ext>
             </p:extLst>
           </p:nvPr>
         </p:nvGraphicFramePr>
         <p:xfrm>
           <a:off x="200660" y="1825625"/>
-          <a:ext cx="11857355" cy="4069080"/>
+          <a:ext cx="11857355" cy="4628384"/>
         </p:xfrm>
         <a:graphic>
           <a:graphicData uri="http://schemas.openxmlformats.org/drawingml/2006/table">
@@ -10873,7 +10924,7 @@
                   </a:extLst>
                 </a:gridCol>
               </a:tblGrid>
-              <a:tr h="381000">
+              <a:tr h="383676">
                 <a:tc>
                   <a:txBody>
                     <a:bodyPr/>
@@ -10984,7 +11035,7 @@
                   </a:ext>
                 </a:extLst>
               </a:tr>
-              <a:tr h="381000">
+              <a:tr h="644576">
                 <a:tc>
                   <a:txBody>
                     <a:bodyPr/>
@@ -11087,7 +11138,7 @@
                   </a:ext>
                 </a:extLst>
               </a:tr>
-              <a:tr h="381000">
+              <a:tr h="383676">
                 <a:tc>
                   <a:txBody>
                     <a:bodyPr/>
@@ -11181,7 +11232,24 @@
                   </a:ext>
                 </a:extLst>
               </a:tr>
-              <a:tr h="381000">
+              <a:tr h="383676">
+                <a:tc>
+                  <a:txBody>
+                    <a:bodyPr/>
+                    <a:lstStyle/>
+                    <a:p>
+                      <a:pPr>
+                        <a:buNone/>
+                      </a:pPr>
+                      <a:r>
+                        <a:rPr lang="en-US" dirty="0" err="1"/>
+                        <a:t>N4</a:t>
+                      </a:r>
+                      <a:endParaRPr lang="en-US" dirty="0"/>
+                    </a:p>
+                  </a:txBody>
+                  <a:tcPr/>
+                </a:tc>
                 <a:tc>
                   <a:txBody>
                     <a:bodyPr/>
@@ -11192,7 +11260,7 @@
                       </a:pPr>
                       <a:r>
                         <a:rPr lang="en-US" dirty="0"/>
-                        <a:t>N3</a:t>
+                        <a:t>16 +3</a:t>
                       </a:r>
                     </a:p>
                   </a:txBody>
@@ -11208,7 +11276,85 @@
                       </a:pPr>
                       <a:r>
                         <a:rPr lang="en-US" dirty="0"/>
-                        <a:t>12 +3</a:t>
+                        <a:t>32</a:t>
+                      </a:r>
+                    </a:p>
+                  </a:txBody>
+                  <a:tcPr/>
+                </a:tc>
+                <a:tc>
+                  <a:txBody>
+                    <a:bodyPr/>
+                    <a:lstStyle/>
+                    <a:p>
+                      <a:pPr>
+                        <a:buNone/>
+                      </a:pPr>
+                      <a:r>
+                        <a:rPr lang="en-US" sz="1800" dirty="0">
+                          <a:sym typeface="+mn-ea"/>
+                        </a:rPr>
+                        <a:t>192.12.22.128/27</a:t>
+                      </a:r>
+                      <a:endParaRPr lang="en-US" dirty="0"/>
+                    </a:p>
+                  </a:txBody>
+                  <a:tcPr/>
+                </a:tc>
+                <a:tc>
+                  <a:txBody>
+                    <a:bodyPr/>
+                    <a:lstStyle/>
+                    <a:p>
+                      <a:pPr>
+                        <a:buNone/>
+                      </a:pPr>
+                      <a:r>
+                        <a:rPr lang="en-US" sz="1800" dirty="0">
+                          <a:sym typeface="+mn-ea"/>
+                        </a:rPr>
+                        <a:t>192.12.22.159</a:t>
+                      </a:r>
+                      <a:endParaRPr lang="en-US" dirty="0"/>
+                    </a:p>
+                  </a:txBody>
+                  <a:tcPr/>
+                </a:tc>
+                <a:extLst>
+                  <a:ext uri="{0D108BD9-81ED-4DB2-BD59-A6C34878D82A}">
+                    <a16:rowId xmlns:a16="http://schemas.microsoft.com/office/drawing/2014/main" val="10003"/>
+                  </a:ext>
+                </a:extLst>
+              </a:tr>
+              <a:tr h="383676">
+                <a:tc>
+                  <a:txBody>
+                    <a:bodyPr/>
+                    <a:lstStyle/>
+                    <a:p>
+                      <a:pPr>
+                        <a:buNone/>
+                      </a:pPr>
+                      <a:r>
+                        <a:rPr lang="en-US" dirty="0" err="1"/>
+                        <a:t>N3</a:t>
+                      </a:r>
+                      <a:endParaRPr lang="en-US" dirty="0"/>
+                    </a:p>
+                  </a:txBody>
+                  <a:tcPr/>
+                </a:tc>
+                <a:tc>
+                  <a:txBody>
+                    <a:bodyPr/>
+                    <a:lstStyle/>
+                    <a:p>
+                      <a:pPr>
+                        <a:buNone/>
+                      </a:pPr>
+                      <a:r>
+                        <a:rPr lang="en-US" dirty="0"/>
+                        <a:t>12 + 3</a:t>
                       </a:r>
                     </a:p>
                   </a:txBody>
@@ -11242,100 +11388,7 @@
                         <a:rPr lang="en-US" sz="1800" dirty="0">
                           <a:sym typeface="+mn-ea"/>
                         </a:rPr>
-                        <a:t>192.12.22.128/28</a:t>
-                      </a:r>
-                      <a:endParaRPr lang="en-US" dirty="0"/>
-                    </a:p>
-                  </a:txBody>
-                  <a:tcPr/>
-                </a:tc>
-                <a:tc>
-                  <a:txBody>
-                    <a:bodyPr/>
-                    <a:lstStyle/>
-                    <a:p>
-                      <a:pPr>
-                        <a:buNone/>
-                      </a:pPr>
-                      <a:r>
-                        <a:rPr lang="en-US" sz="1800" dirty="0">
-                          <a:sym typeface="+mn-ea"/>
-                        </a:rPr>
-                        <a:t>192.12.22.143</a:t>
-                      </a:r>
-                      <a:endParaRPr lang="en-US" dirty="0"/>
-                    </a:p>
-                  </a:txBody>
-                  <a:tcPr/>
-                </a:tc>
-                <a:extLst>
-                  <a:ext uri="{0D108BD9-81ED-4DB2-BD59-A6C34878D82A}">
-                    <a16:rowId xmlns:a16="http://schemas.microsoft.com/office/drawing/2014/main" val="10003"/>
-                  </a:ext>
-                </a:extLst>
-              </a:tr>
-              <a:tr h="381000">
-                <a:tc>
-                  <a:txBody>
-                    <a:bodyPr/>
-                    <a:lstStyle/>
-                    <a:p>
-                      <a:pPr>
-                        <a:buNone/>
-                      </a:pPr>
-                      <a:r>
-                        <a:rPr lang="en-US" dirty="0"/>
-                        <a:t>N4</a:t>
-                      </a:r>
-                    </a:p>
-                  </a:txBody>
-                  <a:tcPr/>
-                </a:tc>
-                <a:tc>
-                  <a:txBody>
-                    <a:bodyPr/>
-                    <a:lstStyle/>
-                    <a:p>
-                      <a:pPr>
-                        <a:buNone/>
-                      </a:pPr>
-                      <a:r>
-                        <a:rPr lang="en-US" dirty="0"/>
-                        <a:t>16 + 3</a:t>
-                      </a:r>
-                    </a:p>
-                  </a:txBody>
-                  <a:tcPr/>
-                </a:tc>
-                <a:tc>
-                  <a:txBody>
-                    <a:bodyPr/>
-                    <a:lstStyle/>
-                    <a:p>
-                      <a:pPr>
-                        <a:buNone/>
-                      </a:pPr>
-                      <a:r>
-                        <a:rPr lang="en-US" dirty="0"/>
-                        <a:t>32</a:t>
-                      </a:r>
-                    </a:p>
-                  </a:txBody>
-                  <a:tcPr/>
-                </a:tc>
-                <a:tc>
-                  <a:txBody>
-                    <a:bodyPr/>
-                    <a:lstStyle/>
-                    <a:p>
-                      <a:pPr>
-                        <a:buNone/>
-                      </a:pPr>
-                      <a:r>
-                        <a:rPr lang="en-US" sz="1800" dirty="0">
-                          <a:sym typeface="+mn-ea"/>
-                        </a:rPr>
-                        <a:t>192.12.22.144/27</a:t>
+                        <a:t>192.12.22.160/28</a:t>
                       </a:r>
                       <a:endParaRPr lang="en-US" dirty="0"/>
                     </a:p>
@@ -11367,7 +11420,7 @@
                   </a:ext>
                 </a:extLst>
               </a:tr>
-              <a:tr h="381000">
+              <a:tr h="383676">
                 <a:tc>
                   <a:txBody>
                     <a:bodyPr/>
@@ -11460,7 +11513,7 @@
                   </a:ext>
                 </a:extLst>
               </a:tr>
-              <a:tr h="381000">
+              <a:tr h="383676">
                 <a:tc>
                   <a:txBody>
                     <a:bodyPr/>
@@ -11570,7 +11623,7 @@
                   </a:ext>
                 </a:extLst>
               </a:tr>
-              <a:tr h="381000">
+              <a:tr h="383676">
                 <a:tc>
                   <a:txBody>
                     <a:bodyPr/>
@@ -11648,10 +11701,10 @@
                         <a:buNone/>
                       </a:pPr>
                       <a:r>
-                        <a:rPr lang="en-US" sz="1800" dirty="0">
+                        <a:rPr lang="en-US" sz="1800">
                           <a:sym typeface="+mn-ea"/>
                         </a:rPr>
-                        <a:t>192.12.22191</a:t>
+                        <a:t>192.12.22.191</a:t>
                       </a:r>
                       <a:endParaRPr lang="en-US" dirty="0"/>
                     </a:p>
@@ -11664,7 +11717,7 @@
                   </a:ext>
                 </a:extLst>
               </a:tr>
-              <a:tr h="381000">
+              <a:tr h="383676">
                 <a:tc>
                   <a:txBody>
                     <a:bodyPr/>
@@ -11758,7 +11811,7 @@
                   </a:ext>
                 </a:extLst>
               </a:tr>
-              <a:tr h="381000">
+              <a:tr h="383676">
                 <a:tc>
                   <a:txBody>
                     <a:bodyPr/>
@@ -11769,8 +11822,19 @@
                       </a:pPr>
                       <a:r>
                         <a:rPr lang="en-US" dirty="0" err="1"/>
-                        <a:t>NWifi</a:t>
+                        <a:t>Nwifi</a:t>
                       </a:r>
+                      <a:endParaRPr lang="en-US" dirty="0"/>
+                    </a:p>
+                    <a:p>
+                      <a:pPr>
+                        <a:buNone/>
+                      </a:pPr>
+                      <a:r>
+                        <a:rPr lang="en-US" dirty="0" err="1"/>
+                        <a:t>Nswitch</a:t>
+                      </a:r>
+                      <a:endParaRPr lang="en-US" dirty="0"/>
                     </a:p>
                   </a:txBody>
                   <a:tcPr/>
@@ -11786,6 +11850,15 @@
                       <a:r>
                         <a:rPr lang="en-US" dirty="0"/>
                         <a:t>2 + 2</a:t>
+                      </a:r>
+                    </a:p>
+                    <a:p>
+                      <a:pPr>
+                        <a:buNone/>
+                      </a:pPr>
+                      <a:r>
+                        <a:rPr lang="en-US" dirty="0"/>
+                        <a:t>3 + 2</a:t>
                       </a:r>
                     </a:p>
                   </a:txBody>
@@ -11804,6 +11877,15 @@
                         <a:t>4</a:t>
                       </a:r>
                     </a:p>
+                    <a:p>
+                      <a:pPr>
+                        <a:buNone/>
+                      </a:pPr>
+                      <a:r>
+                        <a:rPr lang="en-US" dirty="0"/>
+                        <a:t>8</a:t>
+                      </a:r>
+                    </a:p>
                   </a:txBody>
                   <a:tcPr/>
                 </a:tc>
@@ -11820,6 +11902,17 @@
                           <a:sym typeface="+mn-ea"/>
                         </a:rPr>
                         <a:t>192.12.22.196/30</a:t>
+                      </a:r>
+                    </a:p>
+                    <a:p>
+                      <a:pPr>
+                        <a:buNone/>
+                      </a:pPr>
+                      <a:r>
+                        <a:rPr lang="en-US" sz="1800" dirty="0">
+                          <a:sym typeface="+mn-ea"/>
+                        </a:rPr>
+                        <a:t>192.12.22.200/29</a:t>
                       </a:r>
                       <a:endParaRPr lang="en-US" dirty="0"/>
                     </a:p>
@@ -11840,6 +11933,25 @@
                         </a:rPr>
                         <a:t>192.12.22.199</a:t>
                       </a:r>
+                    </a:p>
+                    <a:p>
+                      <a:pPr>
+                        <a:buNone/>
+                      </a:pPr>
+                      <a:r>
+                        <a:rPr lang="en-US" sz="1800" dirty="0">
+                          <a:sym typeface="+mn-ea"/>
+                        </a:rPr>
+                        <a:t>192.12.22.207</a:t>
+                      </a:r>
+                    </a:p>
+                    <a:p>
+                      <a:pPr>
+                        <a:buNone/>
+                      </a:pPr>
+                      <a:endParaRPr lang="en-US" sz="1800" dirty="0">
+                        <a:sym typeface="+mn-ea"/>
+                      </a:endParaRPr>
                     </a:p>
                   </a:txBody>
                   <a:tcPr/>
@@ -11862,8 +11974,8 @@
         </p:nvSpPr>
         <p:spPr>
           <a:xfrm>
-            <a:off x="5701665" y="195580"/>
-            <a:ext cx="6096000" cy="1938992"/>
+            <a:off x="5521960" y="230505"/>
+            <a:ext cx="6096000" cy="1015663"/>
           </a:xfrm>
           <a:prstGeom prst="rect">
             <a:avLst/>
@@ -11906,7 +12018,7 @@
               <a:rPr lang="en-US" sz="2000" dirty="0">
                 <a:sym typeface="+mn-ea"/>
               </a:rPr>
-              <a:t>192.12.22.200/27 --- 192.12.22.231</a:t>
+              <a:t>192.12.22.208/28 --- 192.12.22.223</a:t>
             </a:r>
           </a:p>
           <a:p>
@@ -11914,32 +12026,8 @@
               <a:rPr lang="en-US" sz="2000" dirty="0">
                 <a:sym typeface="+mn-ea"/>
               </a:rPr>
-              <a:t>192.12.22.232/28 --- 192.12.22.247</a:t>
+              <a:t>192.12.22.224/27 --- 192.12.22.255</a:t>
             </a:r>
-          </a:p>
-          <a:p>
-            <a:r>
-              <a:rPr lang="en-US" sz="2000" dirty="0">
-                <a:sym typeface="+mn-ea"/>
-              </a:rPr>
-              <a:t>192.12.22.248/29 --- 192.12.22.255</a:t>
-            </a:r>
-          </a:p>
-          <a:p>
-            <a:endParaRPr lang="en-US" sz="2000" dirty="0">
-              <a:sym typeface="+mn-ea"/>
-            </a:endParaRPr>
-          </a:p>
-          <a:p>
-            <a:r>
-              <a:rPr lang="en-US" sz="2000">
-                <a:sym typeface="+mn-ea"/>
-              </a:rPr>
-              <a:t>s</a:t>
-            </a:r>
-            <a:endParaRPr lang="en-US" sz="2000" dirty="0">
-              <a:sym typeface="+mn-ea"/>
-            </a:endParaRPr>
           </a:p>
         </p:txBody>
       </p:sp>
@@ -13054,15 +13142,6 @@
 </file>
 
 <file path=customXml/item2.xml><?xml version="1.0" encoding="utf-8"?>
-<?mso-contentType ?>
-<FormTemplates xmlns="http://schemas.microsoft.com/sharepoint/v3/contenttype/forms">
-  <Display>DocumentLibraryForm</Display>
-  <Edit>DocumentLibraryForm</Edit>
-  <New>DocumentLibraryForm</New>
-</FormTemplates>
-</file>
-
-<file path=customXml/item3.xml><?xml version="1.0" encoding="utf-8"?>
 <ct:contentTypeSchema xmlns:ct="http://schemas.microsoft.com/office/2006/metadata/contentType" xmlns:ma="http://schemas.microsoft.com/office/2006/metadata/properties/metaAttributes" ct:_="" ma:_="" ma:contentTypeName="Document" ma:contentTypeID="0x0101002E016ADA1DFAFA48AF65F94B16AE3FC6" ma:contentTypeVersion="4" ma:contentTypeDescription="Create a new document." ma:contentTypeScope="" ma:versionID="87b9f239da57ca4829eb87031d4f8963">
   <xsd:schema xmlns:xsd="http://www.w3.org/2001/XMLSchema" xmlns:xs="http://www.w3.org/2001/XMLSchema" xmlns:p="http://schemas.microsoft.com/office/2006/metadata/properties" xmlns:ns2="8898434f-f057-42d5-bce4-0b5a9aca959f" targetNamespace="http://schemas.microsoft.com/office/2006/metadata/properties" ma:root="true" ma:fieldsID="a240b191b869dd57c6e65215a0d6e499" ns2:_="">
     <xsd:import namespace="8898434f-f057-42d5-bce4-0b5a9aca959f"/>
@@ -13206,6 +13285,15 @@
 </ct:contentTypeSchema>
 </file>
 
+<file path=customXml/item3.xml><?xml version="1.0" encoding="utf-8"?>
+<?mso-contentType ?>
+<FormTemplates xmlns="http://schemas.microsoft.com/sharepoint/v3/contenttype/forms">
+  <Display>DocumentLibraryForm</Display>
+  <Edit>DocumentLibraryForm</Edit>
+  <New>DocumentLibraryForm</New>
+</FormTemplates>
+</file>
+
 <file path=customXml/itemProps1.xml><?xml version="1.0" encoding="utf-8"?>
 <ds:datastoreItem xmlns:ds="http://schemas.openxmlformats.org/officeDocument/2006/customXml" ds:itemID="{514B98D4-239D-448D-8225-CC09E12F7027}">
   <ds:schemaRefs>
@@ -13216,14 +13304,6 @@
 </file>
 
 <file path=customXml/itemProps2.xml><?xml version="1.0" encoding="utf-8"?>
-<ds:datastoreItem xmlns:ds="http://schemas.openxmlformats.org/officeDocument/2006/customXml" ds:itemID="{47E3F7CB-710C-48F4-AB39-949FC673322C}">
-  <ds:schemaRefs>
-    <ds:schemaRef ds:uri="http://schemas.microsoft.com/sharepoint/v3/contenttype/forms"/>
-  </ds:schemaRefs>
-</ds:datastoreItem>
-</file>
-
-<file path=customXml/itemProps3.xml><?xml version="1.0" encoding="utf-8"?>
 <ds:datastoreItem xmlns:ds="http://schemas.openxmlformats.org/officeDocument/2006/customXml" ds:itemID="{C5B9B448-E54B-408C-905A-0D16409C1C0A}">
   <ds:schemaRefs>
     <ds:schemaRef ds:uri="http://schemas.microsoft.com/office/2006/metadata/contentType"/>
@@ -13239,4 +13319,12 @@
     <ds:schemaRef ds:uri="http://schemas.microsoft.com/internal/obd"/>
   </ds:schemaRefs>
 </ds:datastoreItem>
+</file>
+
+<file path=customXml/itemProps3.xml><?xml version="1.0" encoding="utf-8"?>
+<ds:datastoreItem xmlns:ds="http://schemas.openxmlformats.org/officeDocument/2006/customXml" ds:itemID="{47E3F7CB-710C-48F4-AB39-949FC673322C}">
+  <ds:schemaRefs>
+    <ds:schemaRef ds:uri="http://schemas.microsoft.com/sharepoint/v3/contenttype/forms"/>
+  </ds:schemaRefs>
+</ds:datastoreItem>
 </file>